--- a/assets-paper/figures-edison-BE.pptx
+++ b/assets-paper/figures-edison-BE.pptx
@@ -5,8 +5,8 @@
     <p:sldMasterId id="2147483648" r:id="rId1"/>
   </p:sldMasterIdLst>
   <p:sldIdLst>
-    <p:sldId id="256" r:id="rId2"/>
-    <p:sldId id="258" r:id="rId3"/>
+    <p:sldId id="258" r:id="rId2"/>
+    <p:sldId id="256" r:id="rId3"/>
   </p:sldIdLst>
   <p:sldSz cx="10801350" cy="6858000"/>
   <p:notesSz cx="6858000" cy="9144000"/>
@@ -105,6 +105,22 @@
       </a:defRPr>
     </a:lvl9pPr>
   </p:defaultTextStyle>
+  <p:extLst>
+    <p:ext uri="{EFAFB233-063F-42B5-8137-9DF3F51BA10A}">
+      <p15:sldGuideLst xmlns:p15="http://schemas.microsoft.com/office/powerpoint/2012/main">
+        <p15:guide id="1" orient="horz" pos="2160">
+          <p15:clr>
+            <a:srgbClr val="A4A3A4"/>
+          </p15:clr>
+        </p15:guide>
+        <p15:guide id="2" pos="3402">
+          <p15:clr>
+            <a:srgbClr val="A4A3A4"/>
+          </p15:clr>
+        </p15:guide>
+      </p15:sldGuideLst>
+    </p:ext>
+  </p:extLst>
 </p:presentation>
 </file>
 
@@ -146,10 +162,9 @@
           <a:lstStyle/>
           <a:p>
             <a:r>
-              <a:rPr lang="ko-KR" altLang="en-US" smtClean="0"/>
+              <a:rPr lang="ko-KR" altLang="en-US"/>
               <a:t>마스터 제목 스타일 편집</a:t>
             </a:r>
-            <a:endParaRPr lang="ko-KR" altLang="en-US"/>
           </a:p>
         </p:txBody>
       </p:sp>
@@ -265,10 +280,9 @@
           </a:lstStyle>
           <a:p>
             <a:r>
-              <a:rPr lang="ko-KR" altLang="en-US" smtClean="0"/>
+              <a:rPr lang="ko-KR" altLang="en-US"/>
               <a:t>마스터 부제목 스타일 편집</a:t>
             </a:r>
-            <a:endParaRPr lang="ko-KR" altLang="en-US"/>
           </a:p>
         </p:txBody>
       </p:sp>
@@ -289,7 +303,7 @@
           <a:p>
             <a:fld id="{4CCC37CD-0907-4E60-9E7C-DB5A6707F428}" type="datetimeFigureOut">
               <a:rPr lang="ko-KR" altLang="en-US" smtClean="0"/>
-              <a:t>2018-12-31</a:t>
+              <a:t>2019-01-28</a:t>
             </a:fld>
             <a:endParaRPr lang="ko-KR" altLang="en-US"/>
           </a:p>
@@ -383,10 +397,9 @@
           <a:lstStyle/>
           <a:p>
             <a:r>
-              <a:rPr lang="ko-KR" altLang="en-US" smtClean="0"/>
+              <a:rPr lang="ko-KR" altLang="en-US"/>
               <a:t>마스터 제목 스타일 편집</a:t>
             </a:r>
-            <a:endParaRPr lang="ko-KR" altLang="en-US"/>
           </a:p>
         </p:txBody>
       </p:sp>
@@ -407,38 +420,37 @@
           <a:p>
             <a:pPr lvl="0"/>
             <a:r>
-              <a:rPr lang="ko-KR" altLang="en-US" smtClean="0"/>
+              <a:rPr lang="ko-KR" altLang="en-US"/>
               <a:t>마스터 텍스트 스타일을 편집합니다</a:t>
             </a:r>
           </a:p>
           <a:p>
             <a:pPr lvl="1"/>
             <a:r>
-              <a:rPr lang="ko-KR" altLang="en-US" smtClean="0"/>
+              <a:rPr lang="ko-KR" altLang="en-US"/>
               <a:t>둘째 수준</a:t>
             </a:r>
           </a:p>
           <a:p>
             <a:pPr lvl="2"/>
             <a:r>
-              <a:rPr lang="ko-KR" altLang="en-US" smtClean="0"/>
+              <a:rPr lang="ko-KR" altLang="en-US"/>
               <a:t>셋째 수준</a:t>
             </a:r>
           </a:p>
           <a:p>
             <a:pPr lvl="3"/>
             <a:r>
-              <a:rPr lang="ko-KR" altLang="en-US" smtClean="0"/>
+              <a:rPr lang="ko-KR" altLang="en-US"/>
               <a:t>넷째 수준</a:t>
             </a:r>
           </a:p>
           <a:p>
             <a:pPr lvl="4"/>
             <a:r>
-              <a:rPr lang="ko-KR" altLang="en-US" smtClean="0"/>
+              <a:rPr lang="ko-KR" altLang="en-US"/>
               <a:t>다섯째 수준</a:t>
             </a:r>
-            <a:endParaRPr lang="ko-KR" altLang="en-US"/>
           </a:p>
         </p:txBody>
       </p:sp>
@@ -459,7 +471,7 @@
           <a:p>
             <a:fld id="{4CCC37CD-0907-4E60-9E7C-DB5A6707F428}" type="datetimeFigureOut">
               <a:rPr lang="ko-KR" altLang="en-US" smtClean="0"/>
-              <a:t>2018-12-31</a:t>
+              <a:t>2019-01-28</a:t>
             </a:fld>
             <a:endParaRPr lang="ko-KR" altLang="en-US"/>
           </a:p>
@@ -558,10 +570,9 @@
           <a:lstStyle/>
           <a:p>
             <a:r>
-              <a:rPr lang="ko-KR" altLang="en-US" smtClean="0"/>
+              <a:rPr lang="ko-KR" altLang="en-US"/>
               <a:t>마스터 제목 스타일 편집</a:t>
             </a:r>
-            <a:endParaRPr lang="ko-KR" altLang="en-US"/>
           </a:p>
         </p:txBody>
       </p:sp>
@@ -587,38 +598,37 @@
           <a:p>
             <a:pPr lvl="0"/>
             <a:r>
-              <a:rPr lang="ko-KR" altLang="en-US" smtClean="0"/>
+              <a:rPr lang="ko-KR" altLang="en-US"/>
               <a:t>마스터 텍스트 스타일을 편집합니다</a:t>
             </a:r>
           </a:p>
           <a:p>
             <a:pPr lvl="1"/>
             <a:r>
-              <a:rPr lang="ko-KR" altLang="en-US" smtClean="0"/>
+              <a:rPr lang="ko-KR" altLang="en-US"/>
               <a:t>둘째 수준</a:t>
             </a:r>
           </a:p>
           <a:p>
             <a:pPr lvl="2"/>
             <a:r>
-              <a:rPr lang="ko-KR" altLang="en-US" smtClean="0"/>
+              <a:rPr lang="ko-KR" altLang="en-US"/>
               <a:t>셋째 수준</a:t>
             </a:r>
           </a:p>
           <a:p>
             <a:pPr lvl="3"/>
             <a:r>
-              <a:rPr lang="ko-KR" altLang="en-US" smtClean="0"/>
+              <a:rPr lang="ko-KR" altLang="en-US"/>
               <a:t>넷째 수준</a:t>
             </a:r>
           </a:p>
           <a:p>
             <a:pPr lvl="4"/>
             <a:r>
-              <a:rPr lang="ko-KR" altLang="en-US" smtClean="0"/>
+              <a:rPr lang="ko-KR" altLang="en-US"/>
               <a:t>다섯째 수준</a:t>
             </a:r>
-            <a:endParaRPr lang="ko-KR" altLang="en-US"/>
           </a:p>
         </p:txBody>
       </p:sp>
@@ -639,7 +649,7 @@
           <a:p>
             <a:fld id="{4CCC37CD-0907-4E60-9E7C-DB5A6707F428}" type="datetimeFigureOut">
               <a:rPr lang="ko-KR" altLang="en-US" smtClean="0"/>
-              <a:t>2018-12-31</a:t>
+              <a:t>2019-01-28</a:t>
             </a:fld>
             <a:endParaRPr lang="ko-KR" altLang="en-US"/>
           </a:p>
@@ -733,10 +743,9 @@
           <a:lstStyle/>
           <a:p>
             <a:r>
-              <a:rPr lang="ko-KR" altLang="en-US" smtClean="0"/>
+              <a:rPr lang="ko-KR" altLang="en-US"/>
               <a:t>마스터 제목 스타일 편집</a:t>
             </a:r>
-            <a:endParaRPr lang="ko-KR" altLang="en-US"/>
           </a:p>
         </p:txBody>
       </p:sp>
@@ -757,38 +766,37 @@
           <a:p>
             <a:pPr lvl="0"/>
             <a:r>
-              <a:rPr lang="ko-KR" altLang="en-US" smtClean="0"/>
+              <a:rPr lang="ko-KR" altLang="en-US"/>
               <a:t>마스터 텍스트 스타일을 편집합니다</a:t>
             </a:r>
           </a:p>
           <a:p>
             <a:pPr lvl="1"/>
             <a:r>
-              <a:rPr lang="ko-KR" altLang="en-US" smtClean="0"/>
+              <a:rPr lang="ko-KR" altLang="en-US"/>
               <a:t>둘째 수준</a:t>
             </a:r>
           </a:p>
           <a:p>
             <a:pPr lvl="2"/>
             <a:r>
-              <a:rPr lang="ko-KR" altLang="en-US" smtClean="0"/>
+              <a:rPr lang="ko-KR" altLang="en-US"/>
               <a:t>셋째 수준</a:t>
             </a:r>
           </a:p>
           <a:p>
             <a:pPr lvl="3"/>
             <a:r>
-              <a:rPr lang="ko-KR" altLang="en-US" smtClean="0"/>
+              <a:rPr lang="ko-KR" altLang="en-US"/>
               <a:t>넷째 수준</a:t>
             </a:r>
           </a:p>
           <a:p>
             <a:pPr lvl="4"/>
             <a:r>
-              <a:rPr lang="ko-KR" altLang="en-US" smtClean="0"/>
+              <a:rPr lang="ko-KR" altLang="en-US"/>
               <a:t>다섯째 수준</a:t>
             </a:r>
-            <a:endParaRPr lang="ko-KR" altLang="en-US"/>
           </a:p>
         </p:txBody>
       </p:sp>
@@ -809,7 +817,7 @@
           <a:p>
             <a:fld id="{4CCC37CD-0907-4E60-9E7C-DB5A6707F428}" type="datetimeFigureOut">
               <a:rPr lang="ko-KR" altLang="en-US" smtClean="0"/>
-              <a:t>2018-12-31</a:t>
+              <a:t>2019-01-28</a:t>
             </a:fld>
             <a:endParaRPr lang="ko-KR" altLang="en-US"/>
           </a:p>
@@ -912,10 +920,9 @@
           </a:lstStyle>
           <a:p>
             <a:r>
-              <a:rPr lang="ko-KR" altLang="en-US" smtClean="0"/>
+              <a:rPr lang="ko-KR" altLang="en-US"/>
               <a:t>마스터 제목 스타일 편집</a:t>
             </a:r>
-            <a:endParaRPr lang="ko-KR" altLang="en-US"/>
           </a:p>
         </p:txBody>
       </p:sp>
@@ -1032,7 +1039,7 @@
           <a:p>
             <a:pPr lvl="0"/>
             <a:r>
-              <a:rPr lang="ko-KR" altLang="en-US" smtClean="0"/>
+              <a:rPr lang="ko-KR" altLang="en-US"/>
               <a:t>마스터 텍스트 스타일을 편집합니다</a:t>
             </a:r>
           </a:p>
@@ -1055,7 +1062,7 @@
           <a:p>
             <a:fld id="{4CCC37CD-0907-4E60-9E7C-DB5A6707F428}" type="datetimeFigureOut">
               <a:rPr lang="ko-KR" altLang="en-US" smtClean="0"/>
-              <a:t>2018-12-31</a:t>
+              <a:t>2019-01-28</a:t>
             </a:fld>
             <a:endParaRPr lang="ko-KR" altLang="en-US"/>
           </a:p>
@@ -1149,10 +1156,9 @@
           <a:lstStyle/>
           <a:p>
             <a:r>
-              <a:rPr lang="ko-KR" altLang="en-US" smtClean="0"/>
+              <a:rPr lang="ko-KR" altLang="en-US"/>
               <a:t>마스터 제목 스타일 편집</a:t>
             </a:r>
-            <a:endParaRPr lang="ko-KR" altLang="en-US"/>
           </a:p>
         </p:txBody>
       </p:sp>
@@ -1206,38 +1212,37 @@
           <a:p>
             <a:pPr lvl="0"/>
             <a:r>
-              <a:rPr lang="ko-KR" altLang="en-US" smtClean="0"/>
+              <a:rPr lang="ko-KR" altLang="en-US"/>
               <a:t>마스터 텍스트 스타일을 편집합니다</a:t>
             </a:r>
           </a:p>
           <a:p>
             <a:pPr lvl="1"/>
             <a:r>
-              <a:rPr lang="ko-KR" altLang="en-US" smtClean="0"/>
+              <a:rPr lang="ko-KR" altLang="en-US"/>
               <a:t>둘째 수준</a:t>
             </a:r>
           </a:p>
           <a:p>
             <a:pPr lvl="2"/>
             <a:r>
-              <a:rPr lang="ko-KR" altLang="en-US" smtClean="0"/>
+              <a:rPr lang="ko-KR" altLang="en-US"/>
               <a:t>셋째 수준</a:t>
             </a:r>
           </a:p>
           <a:p>
             <a:pPr lvl="3"/>
             <a:r>
-              <a:rPr lang="ko-KR" altLang="en-US" smtClean="0"/>
+              <a:rPr lang="ko-KR" altLang="en-US"/>
               <a:t>넷째 수준</a:t>
             </a:r>
           </a:p>
           <a:p>
             <a:pPr lvl="4"/>
             <a:r>
-              <a:rPr lang="ko-KR" altLang="en-US" smtClean="0"/>
+              <a:rPr lang="ko-KR" altLang="en-US"/>
               <a:t>다섯째 수준</a:t>
             </a:r>
-            <a:endParaRPr lang="ko-KR" altLang="en-US"/>
           </a:p>
         </p:txBody>
       </p:sp>
@@ -1291,38 +1296,37 @@
           <a:p>
             <a:pPr lvl="0"/>
             <a:r>
-              <a:rPr lang="ko-KR" altLang="en-US" smtClean="0"/>
+              <a:rPr lang="ko-KR" altLang="en-US"/>
               <a:t>마스터 텍스트 스타일을 편집합니다</a:t>
             </a:r>
           </a:p>
           <a:p>
             <a:pPr lvl="1"/>
             <a:r>
-              <a:rPr lang="ko-KR" altLang="en-US" smtClean="0"/>
+              <a:rPr lang="ko-KR" altLang="en-US"/>
               <a:t>둘째 수준</a:t>
             </a:r>
           </a:p>
           <a:p>
             <a:pPr lvl="2"/>
             <a:r>
-              <a:rPr lang="ko-KR" altLang="en-US" smtClean="0"/>
+              <a:rPr lang="ko-KR" altLang="en-US"/>
               <a:t>셋째 수준</a:t>
             </a:r>
           </a:p>
           <a:p>
             <a:pPr lvl="3"/>
             <a:r>
-              <a:rPr lang="ko-KR" altLang="en-US" smtClean="0"/>
+              <a:rPr lang="ko-KR" altLang="en-US"/>
               <a:t>넷째 수준</a:t>
             </a:r>
           </a:p>
           <a:p>
             <a:pPr lvl="4"/>
             <a:r>
-              <a:rPr lang="ko-KR" altLang="en-US" smtClean="0"/>
+              <a:rPr lang="ko-KR" altLang="en-US"/>
               <a:t>다섯째 수준</a:t>
             </a:r>
-            <a:endParaRPr lang="ko-KR" altLang="en-US"/>
           </a:p>
         </p:txBody>
       </p:sp>
@@ -1343,7 +1347,7 @@
           <a:p>
             <a:fld id="{4CCC37CD-0907-4E60-9E7C-DB5A6707F428}" type="datetimeFigureOut">
               <a:rPr lang="ko-KR" altLang="en-US" smtClean="0"/>
-              <a:t>2018-12-31</a:t>
+              <a:t>2019-01-28</a:t>
             </a:fld>
             <a:endParaRPr lang="ko-KR" altLang="en-US"/>
           </a:p>
@@ -1441,10 +1445,9 @@
           </a:lstStyle>
           <a:p>
             <a:r>
-              <a:rPr lang="ko-KR" altLang="en-US" smtClean="0"/>
+              <a:rPr lang="ko-KR" altLang="en-US"/>
               <a:t>마스터 제목 스타일 편집</a:t>
             </a:r>
-            <a:endParaRPr lang="ko-KR" altLang="en-US"/>
           </a:p>
         </p:txBody>
       </p:sp>
@@ -1507,7 +1510,7 @@
           <a:p>
             <a:pPr lvl="0"/>
             <a:r>
-              <a:rPr lang="ko-KR" altLang="en-US" smtClean="0"/>
+              <a:rPr lang="ko-KR" altLang="en-US"/>
               <a:t>마스터 텍스트 스타일을 편집합니다</a:t>
             </a:r>
           </a:p>
@@ -1563,38 +1566,37 @@
           <a:p>
             <a:pPr lvl="0"/>
             <a:r>
-              <a:rPr lang="ko-KR" altLang="en-US" smtClean="0"/>
+              <a:rPr lang="ko-KR" altLang="en-US"/>
               <a:t>마스터 텍스트 스타일을 편집합니다</a:t>
             </a:r>
           </a:p>
           <a:p>
             <a:pPr lvl="1"/>
             <a:r>
-              <a:rPr lang="ko-KR" altLang="en-US" smtClean="0"/>
+              <a:rPr lang="ko-KR" altLang="en-US"/>
               <a:t>둘째 수준</a:t>
             </a:r>
           </a:p>
           <a:p>
             <a:pPr lvl="2"/>
             <a:r>
-              <a:rPr lang="ko-KR" altLang="en-US" smtClean="0"/>
+              <a:rPr lang="ko-KR" altLang="en-US"/>
               <a:t>셋째 수준</a:t>
             </a:r>
           </a:p>
           <a:p>
             <a:pPr lvl="3"/>
             <a:r>
-              <a:rPr lang="ko-KR" altLang="en-US" smtClean="0"/>
+              <a:rPr lang="ko-KR" altLang="en-US"/>
               <a:t>넷째 수준</a:t>
             </a:r>
           </a:p>
           <a:p>
             <a:pPr lvl="4"/>
             <a:r>
-              <a:rPr lang="ko-KR" altLang="en-US" smtClean="0"/>
+              <a:rPr lang="ko-KR" altLang="en-US"/>
               <a:t>다섯째 수준</a:t>
             </a:r>
-            <a:endParaRPr lang="ko-KR" altLang="en-US"/>
           </a:p>
         </p:txBody>
       </p:sp>
@@ -1657,7 +1659,7 @@
           <a:p>
             <a:pPr lvl="0"/>
             <a:r>
-              <a:rPr lang="ko-KR" altLang="en-US" smtClean="0"/>
+              <a:rPr lang="ko-KR" altLang="en-US"/>
               <a:t>마스터 텍스트 스타일을 편집합니다</a:t>
             </a:r>
           </a:p>
@@ -1713,38 +1715,37 @@
           <a:p>
             <a:pPr lvl="0"/>
             <a:r>
-              <a:rPr lang="ko-KR" altLang="en-US" smtClean="0"/>
+              <a:rPr lang="ko-KR" altLang="en-US"/>
               <a:t>마스터 텍스트 스타일을 편집합니다</a:t>
             </a:r>
           </a:p>
           <a:p>
             <a:pPr lvl="1"/>
             <a:r>
-              <a:rPr lang="ko-KR" altLang="en-US" smtClean="0"/>
+              <a:rPr lang="ko-KR" altLang="en-US"/>
               <a:t>둘째 수준</a:t>
             </a:r>
           </a:p>
           <a:p>
             <a:pPr lvl="2"/>
             <a:r>
-              <a:rPr lang="ko-KR" altLang="en-US" smtClean="0"/>
+              <a:rPr lang="ko-KR" altLang="en-US"/>
               <a:t>셋째 수준</a:t>
             </a:r>
           </a:p>
           <a:p>
             <a:pPr lvl="3"/>
             <a:r>
-              <a:rPr lang="ko-KR" altLang="en-US" smtClean="0"/>
+              <a:rPr lang="ko-KR" altLang="en-US"/>
               <a:t>넷째 수준</a:t>
             </a:r>
           </a:p>
           <a:p>
             <a:pPr lvl="4"/>
             <a:r>
-              <a:rPr lang="ko-KR" altLang="en-US" smtClean="0"/>
+              <a:rPr lang="ko-KR" altLang="en-US"/>
               <a:t>다섯째 수준</a:t>
             </a:r>
-            <a:endParaRPr lang="ko-KR" altLang="en-US"/>
           </a:p>
         </p:txBody>
       </p:sp>
@@ -1765,7 +1766,7 @@
           <a:p>
             <a:fld id="{4CCC37CD-0907-4E60-9E7C-DB5A6707F428}" type="datetimeFigureOut">
               <a:rPr lang="ko-KR" altLang="en-US" smtClean="0"/>
-              <a:t>2018-12-31</a:t>
+              <a:t>2019-01-28</a:t>
             </a:fld>
             <a:endParaRPr lang="ko-KR" altLang="en-US"/>
           </a:p>
@@ -1859,10 +1860,9 @@
           <a:lstStyle/>
           <a:p>
             <a:r>
-              <a:rPr lang="ko-KR" altLang="en-US" smtClean="0"/>
+              <a:rPr lang="ko-KR" altLang="en-US"/>
               <a:t>마스터 제목 스타일 편집</a:t>
             </a:r>
-            <a:endParaRPr lang="ko-KR" altLang="en-US"/>
           </a:p>
         </p:txBody>
       </p:sp>
@@ -1883,7 +1883,7 @@
           <a:p>
             <a:fld id="{4CCC37CD-0907-4E60-9E7C-DB5A6707F428}" type="datetimeFigureOut">
               <a:rPr lang="ko-KR" altLang="en-US" smtClean="0"/>
-              <a:t>2018-12-31</a:t>
+              <a:t>2019-01-28</a:t>
             </a:fld>
             <a:endParaRPr lang="ko-KR" altLang="en-US"/>
           </a:p>
@@ -1978,7 +1978,7 @@
           <a:p>
             <a:fld id="{4CCC37CD-0907-4E60-9E7C-DB5A6707F428}" type="datetimeFigureOut">
               <a:rPr lang="ko-KR" altLang="en-US" smtClean="0"/>
-              <a:t>2018-12-31</a:t>
+              <a:t>2019-01-28</a:t>
             </a:fld>
             <a:endParaRPr lang="ko-KR" altLang="en-US"/>
           </a:p>
@@ -2081,10 +2081,9 @@
           </a:lstStyle>
           <a:p>
             <a:r>
-              <a:rPr lang="ko-KR" altLang="en-US" smtClean="0"/>
+              <a:rPr lang="ko-KR" altLang="en-US"/>
               <a:t>마스터 제목 스타일 편집</a:t>
             </a:r>
-            <a:endParaRPr lang="ko-KR" altLang="en-US"/>
           </a:p>
         </p:txBody>
       </p:sp>
@@ -2138,38 +2137,37 @@
           <a:p>
             <a:pPr lvl="0"/>
             <a:r>
-              <a:rPr lang="ko-KR" altLang="en-US" smtClean="0"/>
+              <a:rPr lang="ko-KR" altLang="en-US"/>
               <a:t>마스터 텍스트 스타일을 편집합니다</a:t>
             </a:r>
           </a:p>
           <a:p>
             <a:pPr lvl="1"/>
             <a:r>
-              <a:rPr lang="ko-KR" altLang="en-US" smtClean="0"/>
+              <a:rPr lang="ko-KR" altLang="en-US"/>
               <a:t>둘째 수준</a:t>
             </a:r>
           </a:p>
           <a:p>
             <a:pPr lvl="2"/>
             <a:r>
-              <a:rPr lang="ko-KR" altLang="en-US" smtClean="0"/>
+              <a:rPr lang="ko-KR" altLang="en-US"/>
               <a:t>셋째 수준</a:t>
             </a:r>
           </a:p>
           <a:p>
             <a:pPr lvl="3"/>
             <a:r>
-              <a:rPr lang="ko-KR" altLang="en-US" smtClean="0"/>
+              <a:rPr lang="ko-KR" altLang="en-US"/>
               <a:t>넷째 수준</a:t>
             </a:r>
           </a:p>
           <a:p>
             <a:pPr lvl="4"/>
             <a:r>
-              <a:rPr lang="ko-KR" altLang="en-US" smtClean="0"/>
+              <a:rPr lang="ko-KR" altLang="en-US"/>
               <a:t>다섯째 수준</a:t>
             </a:r>
-            <a:endParaRPr lang="ko-KR" altLang="en-US"/>
           </a:p>
         </p:txBody>
       </p:sp>
@@ -2232,7 +2230,7 @@
           <a:p>
             <a:pPr lvl="0"/>
             <a:r>
-              <a:rPr lang="ko-KR" altLang="en-US" smtClean="0"/>
+              <a:rPr lang="ko-KR" altLang="en-US"/>
               <a:t>마스터 텍스트 스타일을 편집합니다</a:t>
             </a:r>
           </a:p>
@@ -2255,7 +2253,7 @@
           <a:p>
             <a:fld id="{4CCC37CD-0907-4E60-9E7C-DB5A6707F428}" type="datetimeFigureOut">
               <a:rPr lang="ko-KR" altLang="en-US" smtClean="0"/>
-              <a:t>2018-12-31</a:t>
+              <a:t>2019-01-28</a:t>
             </a:fld>
             <a:endParaRPr lang="ko-KR" altLang="en-US"/>
           </a:p>
@@ -2358,10 +2356,9 @@
           </a:lstStyle>
           <a:p>
             <a:r>
-              <a:rPr lang="ko-KR" altLang="en-US" smtClean="0"/>
+              <a:rPr lang="ko-KR" altLang="en-US"/>
               <a:t>마스터 제목 스타일 편집</a:t>
             </a:r>
-            <a:endParaRPr lang="ko-KR" altLang="en-US"/>
           </a:p>
         </p:txBody>
       </p:sp>
@@ -2485,7 +2482,7 @@
           <a:p>
             <a:pPr lvl="0"/>
             <a:r>
-              <a:rPr lang="ko-KR" altLang="en-US" smtClean="0"/>
+              <a:rPr lang="ko-KR" altLang="en-US"/>
               <a:t>마스터 텍스트 스타일을 편집합니다</a:t>
             </a:r>
           </a:p>
@@ -2508,7 +2505,7 @@
           <a:p>
             <a:fld id="{4CCC37CD-0907-4E60-9E7C-DB5A6707F428}" type="datetimeFigureOut">
               <a:rPr lang="ko-KR" altLang="en-US" smtClean="0"/>
-              <a:t>2018-12-31</a:t>
+              <a:t>2019-01-28</a:t>
             </a:fld>
             <a:endParaRPr lang="ko-KR" altLang="en-US"/>
           </a:p>
@@ -2617,10 +2614,9 @@
           <a:lstStyle/>
           <a:p>
             <a:r>
-              <a:rPr lang="ko-KR" altLang="en-US" smtClean="0"/>
+              <a:rPr lang="ko-KR" altLang="en-US"/>
               <a:t>마스터 제목 스타일 편집</a:t>
             </a:r>
-            <a:endParaRPr lang="ko-KR" altLang="en-US"/>
           </a:p>
         </p:txBody>
       </p:sp>
@@ -2651,38 +2647,37 @@
           <a:p>
             <a:pPr lvl="0"/>
             <a:r>
-              <a:rPr lang="ko-KR" altLang="en-US" smtClean="0"/>
+              <a:rPr lang="ko-KR" altLang="en-US"/>
               <a:t>마스터 텍스트 스타일을 편집합니다</a:t>
             </a:r>
           </a:p>
           <a:p>
             <a:pPr lvl="1"/>
             <a:r>
-              <a:rPr lang="ko-KR" altLang="en-US" smtClean="0"/>
+              <a:rPr lang="ko-KR" altLang="en-US"/>
               <a:t>둘째 수준</a:t>
             </a:r>
           </a:p>
           <a:p>
             <a:pPr lvl="2"/>
             <a:r>
-              <a:rPr lang="ko-KR" altLang="en-US" smtClean="0"/>
+              <a:rPr lang="ko-KR" altLang="en-US"/>
               <a:t>셋째 수준</a:t>
             </a:r>
           </a:p>
           <a:p>
             <a:pPr lvl="3"/>
             <a:r>
-              <a:rPr lang="ko-KR" altLang="en-US" smtClean="0"/>
+              <a:rPr lang="ko-KR" altLang="en-US"/>
               <a:t>넷째 수준</a:t>
             </a:r>
           </a:p>
           <a:p>
             <a:pPr lvl="4"/>
             <a:r>
-              <a:rPr lang="ko-KR" altLang="en-US" smtClean="0"/>
+              <a:rPr lang="ko-KR" altLang="en-US"/>
               <a:t>다섯째 수준</a:t>
             </a:r>
-            <a:endParaRPr lang="ko-KR" altLang="en-US"/>
           </a:p>
         </p:txBody>
       </p:sp>
@@ -2721,7 +2716,7 @@
           <a:p>
             <a:fld id="{4CCC37CD-0907-4E60-9E7C-DB5A6707F428}" type="datetimeFigureOut">
               <a:rPr lang="ko-KR" altLang="en-US" smtClean="0"/>
-              <a:t>2018-12-31</a:t>
+              <a:t>2019-01-28</a:t>
             </a:fld>
             <a:endParaRPr lang="ko-KR" altLang="en-US"/>
           </a:p>
@@ -3096,6 +3091,265 @@
           <a:chExt cx="0" cy="0"/>
         </a:xfrm>
       </p:grpSpPr>
+      <p:pic>
+        <p:nvPicPr>
+          <p:cNvPr id="2" name="Picture 2"/>
+          <p:cNvPicPr>
+            <a:picLocks noChangeAspect="1" noChangeArrowheads="1"/>
+          </p:cNvPicPr>
+          <p:nvPr/>
+        </p:nvPicPr>
+        <p:blipFill>
+          <a:blip r:embed="rId2">
+            <a:extLst>
+              <a:ext uri="{28A0092B-C50C-407E-A947-70E740481C1C}">
+                <a14:useLocalDpi xmlns:a14="http://schemas.microsoft.com/office/drawing/2010/main" val="0"/>
+              </a:ext>
+            </a:extLst>
+          </a:blip>
+          <a:srcRect/>
+          <a:stretch>
+            <a:fillRect/>
+          </a:stretch>
+        </p:blipFill>
+        <p:spPr bwMode="auto">
+          <a:xfrm>
+            <a:off x="2802599" y="404664"/>
+            <a:ext cx="8106724" cy="5976664"/>
+          </a:xfrm>
+          <a:prstGeom prst="rect">
+            <a:avLst/>
+          </a:prstGeom>
+          <a:noFill/>
+          <a:ln>
+            <a:noFill/>
+          </a:ln>
+          <a:effectLst/>
+          <a:extLst>
+            <a:ext uri="{909E8E84-426E-40DD-AFC4-6F175D3DCCD1}">
+              <a14:hiddenFill xmlns:a14="http://schemas.microsoft.com/office/drawing/2010/main">
+                <a:solidFill>
+                  <a:schemeClr val="accent1"/>
+                </a:solidFill>
+              </a14:hiddenFill>
+            </a:ext>
+            <a:ext uri="{91240B29-F687-4F45-9708-019B960494DF}">
+              <a14:hiddenLine xmlns:a14="http://schemas.microsoft.com/office/drawing/2010/main" w="9525">
+                <a:solidFill>
+                  <a:schemeClr val="tx1"/>
+                </a:solidFill>
+                <a:miter lim="800000"/>
+                <a:headEnd/>
+                <a:tailEnd/>
+              </a14:hiddenLine>
+            </a:ext>
+            <a:ext uri="{AF507438-7753-43E0-B8FC-AC1667EBCBE1}">
+              <a14:hiddenEffects xmlns:a14="http://schemas.microsoft.com/office/drawing/2010/main">
+                <a:effectLst>
+                  <a:outerShdw dist="35921" dir="2700000" algn="ctr" rotWithShape="0">
+                    <a:schemeClr val="bg2"/>
+                  </a:outerShdw>
+                </a:effectLst>
+              </a14:hiddenEffects>
+            </a:ext>
+          </a:extLst>
+        </p:spPr>
+      </p:pic>
+      <p:sp>
+        <p:nvSpPr>
+          <p:cNvPr id="8" name="TextBox 7"/>
+          <p:cNvSpPr txBox="1"/>
+          <p:nvPr/>
+        </p:nvSpPr>
+        <p:spPr>
+          <a:xfrm>
+            <a:off x="681626" y="535134"/>
+            <a:ext cx="1890133" cy="369332"/>
+          </a:xfrm>
+          <a:prstGeom prst="rect">
+            <a:avLst/>
+          </a:prstGeom>
+          <a:noFill/>
+        </p:spPr>
+        <p:txBody>
+          <a:bodyPr wrap="none" rtlCol="0">
+            <a:spAutoFit/>
+          </a:bodyPr>
+          <a:lstStyle/>
+          <a:p>
+            <a:pPr algn="r"/>
+            <a:r>
+              <a:rPr lang="en-US" altLang="ko-KR" b="1">
+                <a:latin typeface="Arial" pitchFamily="34" charset="0"/>
+                <a:cs typeface="Arial" pitchFamily="34" charset="0"/>
+              </a:rPr>
+              <a:t>1. ANOVA Table</a:t>
+            </a:r>
+          </a:p>
+        </p:txBody>
+      </p:sp>
+      <p:sp>
+        <p:nvSpPr>
+          <p:cNvPr id="9" name="TextBox 8"/>
+          <p:cNvSpPr txBox="1"/>
+          <p:nvPr/>
+        </p:nvSpPr>
+        <p:spPr>
+          <a:xfrm>
+            <a:off x="1048820" y="2713339"/>
+            <a:ext cx="1531252" cy="369332"/>
+          </a:xfrm>
+          <a:prstGeom prst="rect">
+            <a:avLst/>
+          </a:prstGeom>
+          <a:noFill/>
+        </p:spPr>
+        <p:txBody>
+          <a:bodyPr wrap="none" rtlCol="0">
+            <a:spAutoFit/>
+          </a:bodyPr>
+          <a:lstStyle/>
+          <a:p>
+            <a:pPr algn="r"/>
+            <a:r>
+              <a:rPr lang="en-US" altLang="ko-KR" b="1">
+                <a:latin typeface="Arial" pitchFamily="34" charset="0"/>
+                <a:cs typeface="Arial" pitchFamily="34" charset="0"/>
+              </a:rPr>
+              <a:t>2. Variability</a:t>
+            </a:r>
+          </a:p>
+        </p:txBody>
+      </p:sp>
+      <p:sp>
+        <p:nvSpPr>
+          <p:cNvPr id="10" name="TextBox 9"/>
+          <p:cNvSpPr txBox="1"/>
+          <p:nvPr/>
+        </p:nvSpPr>
+        <p:spPr>
+          <a:xfrm>
+            <a:off x="1581018" y="3797063"/>
+            <a:ext cx="928459" cy="369332"/>
+          </a:xfrm>
+          <a:prstGeom prst="rect">
+            <a:avLst/>
+          </a:prstGeom>
+          <a:noFill/>
+        </p:spPr>
+        <p:txBody>
+          <a:bodyPr wrap="none" rtlCol="0">
+            <a:spAutoFit/>
+          </a:bodyPr>
+          <a:lstStyle/>
+          <a:p>
+            <a:pPr algn="r"/>
+            <a:r>
+              <a:rPr lang="en-US" altLang="ko-KR" b="1">
+                <a:latin typeface="Arial" pitchFamily="34" charset="0"/>
+                <a:cs typeface="Arial" pitchFamily="34" charset="0"/>
+              </a:rPr>
+              <a:t>3. LSM</a:t>
+            </a:r>
+          </a:p>
+        </p:txBody>
+      </p:sp>
+      <p:sp>
+        <p:nvSpPr>
+          <p:cNvPr id="11" name="TextBox 10"/>
+          <p:cNvSpPr txBox="1"/>
+          <p:nvPr/>
+        </p:nvSpPr>
+        <p:spPr>
+          <a:xfrm>
+            <a:off x="488840" y="4647715"/>
+            <a:ext cx="2082621" cy="369332"/>
+          </a:xfrm>
+          <a:prstGeom prst="rect">
+            <a:avLst/>
+          </a:prstGeom>
+          <a:noFill/>
+        </p:spPr>
+        <p:txBody>
+          <a:bodyPr wrap="none" rtlCol="0">
+            <a:spAutoFit/>
+          </a:bodyPr>
+          <a:lstStyle/>
+          <a:p>
+            <a:pPr algn="r"/>
+            <a:r>
+              <a:rPr lang="en-US" altLang="ko-KR" b="1">
+                <a:latin typeface="Arial" pitchFamily="34" charset="0"/>
+                <a:cs typeface="Arial" pitchFamily="34" charset="0"/>
+              </a:rPr>
+              <a:t>4. 90% CI of GMR</a:t>
+            </a:r>
+          </a:p>
+        </p:txBody>
+      </p:sp>
+      <p:sp>
+        <p:nvSpPr>
+          <p:cNvPr id="12" name="TextBox 11"/>
+          <p:cNvSpPr txBox="1"/>
+          <p:nvPr/>
+        </p:nvSpPr>
+        <p:spPr>
+          <a:xfrm>
+            <a:off x="790140" y="5536937"/>
+            <a:ext cx="1762021" cy="369332"/>
+          </a:xfrm>
+          <a:prstGeom prst="rect">
+            <a:avLst/>
+          </a:prstGeom>
+          <a:noFill/>
+        </p:spPr>
+        <p:txBody>
+          <a:bodyPr wrap="none" rtlCol="0">
+            <a:spAutoFit/>
+          </a:bodyPr>
+          <a:lstStyle/>
+          <a:p>
+            <a:pPr algn="r"/>
+            <a:r>
+              <a:rPr lang="en-US" altLang="ko-KR" b="1">
+                <a:latin typeface="Arial" pitchFamily="34" charset="0"/>
+                <a:cs typeface="Arial" pitchFamily="34" charset="0"/>
+              </a:rPr>
+              <a:t>5. Sample size</a:t>
+            </a:r>
+          </a:p>
+        </p:txBody>
+      </p:sp>
+    </p:spTree>
+    <p:extLst>
+      <p:ext uri="{BB962C8B-B14F-4D97-AF65-F5344CB8AC3E}">
+        <p14:creationId xmlns:p14="http://schemas.microsoft.com/office/powerpoint/2010/main" val="25059198"/>
+      </p:ext>
+    </p:extLst>
+  </p:cSld>
+  <p:clrMapOvr>
+    <a:masterClrMapping/>
+  </p:clrMapOvr>
+</p:sld>
+</file>
+
+<file path=ppt/slides/slide2.xml><?xml version="1.0" encoding="utf-8"?>
+<p:sld xmlns:a="http://schemas.openxmlformats.org/drawingml/2006/main" xmlns:r="http://schemas.openxmlformats.org/officeDocument/2006/relationships" xmlns:p="http://schemas.openxmlformats.org/presentationml/2006/main">
+  <p:cSld>
+    <p:spTree>
+      <p:nvGrpSpPr>
+        <p:cNvPr id="1" name=""/>
+        <p:cNvGrpSpPr/>
+        <p:nvPr/>
+      </p:nvGrpSpPr>
+      <p:grpSpPr>
+        <a:xfrm>
+          <a:off x="0" y="0"/>
+          <a:ext cx="0" cy="0"/>
+          <a:chOff x="0" y="0"/>
+          <a:chExt cx="0" cy="0"/>
+        </a:xfrm>
+      </p:grpSpPr>
       <p:grpSp>
         <p:nvGrpSpPr>
           <p:cNvPr id="115" name="그룹 114"/>
@@ -3201,7 +3455,7 @@
             <a:p>
               <a:pPr algn="ctr"/>
               <a:r>
-                <a:rPr lang="en-US" altLang="ko-KR" smtClean="0">
+                <a:rPr lang="en-US" altLang="ko-KR">
                   <a:solidFill>
                     <a:schemeClr val="tx1"/>
                   </a:solidFill>
@@ -3214,7 +3468,7 @@
             <a:p>
               <a:pPr algn="ctr"/>
               <a:r>
-                <a:rPr lang="en-US" altLang="ko-KR" b="1" smtClean="0">
+                <a:rPr lang="en-US" altLang="ko-KR" b="1">
                   <a:solidFill>
                     <a:schemeClr val="tx1"/>
                   </a:solidFill>
@@ -3276,30 +3530,20 @@
             <a:p>
               <a:pPr algn="ctr"/>
               <a:r>
-                <a:rPr lang="en-US" altLang="ko-KR" smtClean="0">
+                <a:rPr lang="en-US" altLang="ko-KR">
                   <a:solidFill>
                     <a:schemeClr val="tx1"/>
                   </a:solidFill>
                   <a:latin typeface="Arial" pitchFamily="34" charset="0"/>
                   <a:cs typeface="Arial" pitchFamily="34" charset="0"/>
                 </a:rPr>
-                <a:t>Edison Science </a:t>
-              </a:r>
-              <a:r>
-                <a:rPr lang="en-US" altLang="ko-KR" smtClean="0">
-                  <a:solidFill>
-                    <a:schemeClr val="tx1"/>
-                  </a:solidFill>
-                  <a:latin typeface="Arial" pitchFamily="34" charset="0"/>
-                  <a:cs typeface="Arial" pitchFamily="34" charset="0"/>
-                </a:rPr>
-                <a:t>App: </a:t>
+                <a:t>Edison Science App: </a:t>
               </a:r>
             </a:p>
             <a:p>
               <a:pPr algn="ctr"/>
               <a:r>
-                <a:rPr lang="en-US" altLang="ko-KR" b="1" smtClean="0">
+                <a:rPr lang="en-US" altLang="ko-KR" b="1">
                   <a:solidFill>
                     <a:schemeClr val="tx1"/>
                   </a:solidFill>
@@ -3467,7 +3711,7 @@
             <a:p>
               <a:pPr algn="ctr"/>
               <a:r>
-                <a:rPr lang="en-US" altLang="ko-KR" smtClean="0">
+                <a:rPr lang="en-US" altLang="ko-KR">
                   <a:solidFill>
                     <a:schemeClr val="tx1"/>
                   </a:solidFill>
@@ -3477,7 +3721,7 @@
                 <a:t>Dataset: </a:t>
               </a:r>
               <a:r>
-                <a:rPr lang="en-US" altLang="ko-KR" b="1" smtClean="0">
+                <a:rPr lang="en-US" altLang="ko-KR" b="1">
                   <a:solidFill>
                     <a:schemeClr val="tx1"/>
                   </a:solidFill>
@@ -3486,13 +3730,6 @@
                 </a:rPr>
                 <a:t>2x2 BE test </a:t>
               </a:r>
-              <a:endParaRPr lang="en-US" altLang="ko-KR" b="1" smtClean="0">
-                <a:solidFill>
-                  <a:schemeClr val="tx1"/>
-                </a:solidFill>
-                <a:latin typeface="Arial" pitchFamily="34" charset="0"/>
-                <a:cs typeface="Arial" pitchFamily="34" charset="0"/>
-              </a:endParaRPr>
             </a:p>
           </p:txBody>
         </p:sp>
@@ -3518,7 +3755,7 @@
             <a:lstStyle/>
             <a:p>
               <a:r>
-                <a:rPr lang="en-US" altLang="ko-KR" smtClean="0">
+                <a:rPr lang="en-US" altLang="ko-KR">
                   <a:solidFill>
                     <a:schemeClr val="tx1"/>
                   </a:solidFill>
@@ -3530,7 +3767,7 @@
             </a:p>
             <a:p>
               <a:r>
-                <a:rPr lang="en-US" altLang="ko-KR" b="1" smtClean="0">
+                <a:rPr lang="en-US" altLang="ko-KR" b="1">
                   <a:solidFill>
                     <a:schemeClr val="tx1"/>
                   </a:solidFill>
@@ -3542,7 +3779,7 @@
             </a:p>
             <a:p>
               <a:r>
-                <a:rPr lang="en-US" altLang="ko-KR" b="1" smtClean="0">
+                <a:rPr lang="en-US" altLang="ko-KR" b="1">
                   <a:solidFill>
                     <a:schemeClr val="tx1"/>
                   </a:solidFill>
@@ -3554,7 +3791,7 @@
             </a:p>
             <a:p>
               <a:r>
-                <a:rPr lang="en-US" altLang="ko-KR" b="1" smtClean="0">
+                <a:rPr lang="en-US" altLang="ko-KR" b="1">
                   <a:solidFill>
                     <a:schemeClr val="tx1"/>
                   </a:solidFill>
@@ -3564,21 +3801,21 @@
                 <a:t>  GMR of </a:t>
               </a:r>
               <a:r>
-                <a:rPr lang="en-US" altLang="ko-KR" b="1" smtClean="0">
+                <a:rPr lang="en-US" altLang="ko-KR" b="1">
                   <a:latin typeface="Arial" pitchFamily="34" charset="0"/>
                   <a:cs typeface="Arial" pitchFamily="34" charset="0"/>
                 </a:rPr>
                 <a:t>C</a:t>
               </a:r>
               <a:r>
-                <a:rPr lang="en-US" altLang="ko-KR" b="1" baseline="-25000" smtClean="0">
+                <a:rPr lang="en-US" altLang="ko-KR" b="1" baseline="-25000">
                   <a:latin typeface="Arial" pitchFamily="34" charset="0"/>
                   <a:cs typeface="Arial" pitchFamily="34" charset="0"/>
                 </a:rPr>
                 <a:t>max</a:t>
               </a:r>
               <a:r>
-                <a:rPr lang="en-US" altLang="ko-KR" b="1" smtClean="0">
+                <a:rPr lang="en-US" altLang="ko-KR" b="1">
                   <a:latin typeface="Arial" pitchFamily="34" charset="0"/>
                   <a:cs typeface="Arial" pitchFamily="34" charset="0"/>
                 </a:rPr>
@@ -3587,13 +3824,13 @@
             </a:p>
             <a:p>
               <a:r>
-                <a:rPr lang="en-US" altLang="ko-KR" b="1" smtClean="0">
+                <a:rPr lang="en-US" altLang="ko-KR" b="1">
                   <a:latin typeface="Arial" pitchFamily="34" charset="0"/>
                   <a:cs typeface="Arial" pitchFamily="34" charset="0"/>
                 </a:rPr>
                 <a:t>- Sample size calculation</a:t>
               </a:r>
-              <a:endParaRPr lang="en-US" altLang="ko-KR" b="1" smtClean="0">
+              <a:endParaRPr lang="en-US" altLang="ko-KR" b="1">
                 <a:solidFill>
                   <a:schemeClr val="tx1"/>
                 </a:solidFill>
@@ -3662,7 +3899,7 @@
             <a:lstStyle/>
             <a:p>
               <a:r>
-                <a:rPr lang="en-US" altLang="ko-KR" smtClean="0">
+                <a:rPr lang="en-US" altLang="ko-KR">
                   <a:latin typeface="Arial" pitchFamily="34" charset="0"/>
                   <a:cs typeface="Arial" pitchFamily="34" charset="0"/>
                 </a:rPr>
@@ -3671,7 +3908,7 @@
             </a:p>
             <a:p>
               <a:r>
-                <a:rPr lang="en-US" altLang="ko-KR" smtClean="0">
+                <a:rPr lang="en-US" altLang="ko-KR">
                   <a:latin typeface="Arial" pitchFamily="34" charset="0"/>
                   <a:cs typeface="Arial" pitchFamily="34" charset="0"/>
                 </a:rPr>
@@ -3680,7 +3917,7 @@
             </a:p>
             <a:p>
               <a:r>
-                <a:rPr lang="en-US" altLang="ko-KR" smtClean="0">
+                <a:rPr lang="en-US" altLang="ko-KR">
                   <a:latin typeface="Arial" pitchFamily="34" charset="0"/>
                   <a:cs typeface="Arial" pitchFamily="34" charset="0"/>
                 </a:rPr>
@@ -3689,7 +3926,7 @@
             </a:p>
             <a:p>
               <a:r>
-                <a:rPr lang="en-US" altLang="ko-KR" smtClean="0">
+                <a:rPr lang="en-US" altLang="ko-KR">
                   <a:latin typeface="Arial" pitchFamily="34" charset="0"/>
                   <a:cs typeface="Arial" pitchFamily="34" charset="0"/>
                 </a:rPr>
@@ -3698,7 +3935,7 @@
             </a:p>
             <a:p>
               <a:r>
-                <a:rPr lang="en-US" altLang="ko-KR" smtClean="0">
+                <a:rPr lang="en-US" altLang="ko-KR">
                   <a:latin typeface="Arial" pitchFamily="34" charset="0"/>
                   <a:cs typeface="Arial" pitchFamily="34" charset="0"/>
                 </a:rPr>
@@ -3707,18 +3944,11 @@
             </a:p>
             <a:p>
               <a:r>
-                <a:rPr lang="en-US" altLang="ko-KR" smtClean="0">
+                <a:rPr lang="en-US" altLang="ko-KR">
                   <a:latin typeface="Arial" pitchFamily="34" charset="0"/>
                   <a:cs typeface="Arial" pitchFamily="34" charset="0"/>
                 </a:rPr>
-                <a:t>and fast </a:t>
-              </a:r>
-              <a:r>
-                <a:rPr lang="en-US" altLang="ko-KR" smtClean="0">
-                  <a:latin typeface="Arial" pitchFamily="34" charset="0"/>
-                  <a:cs typeface="Arial" pitchFamily="34" charset="0"/>
-                </a:rPr>
-                <a:t>process</a:t>
+                <a:t>and fast process</a:t>
               </a:r>
               <a:endParaRPr lang="ko-KR" altLang="en-US">
                 <a:latin typeface="Arial" pitchFamily="34" charset="0"/>
@@ -3847,7 +4077,7 @@
             <a:p>
               <a:pPr algn="ctr"/>
               <a:r>
-                <a:rPr lang="en-US" altLang="ko-KR" smtClean="0">
+                <a:rPr lang="en-US" altLang="ko-KR">
                   <a:solidFill>
                     <a:schemeClr val="tx1"/>
                   </a:solidFill>
@@ -3909,7 +4139,7 @@
             <a:p>
               <a:pPr algn="ctr"/>
               <a:r>
-                <a:rPr lang="en-US" altLang="ko-KR" smtClean="0">
+                <a:rPr lang="en-US" altLang="ko-KR">
                   <a:solidFill>
                     <a:schemeClr val="tx1"/>
                   </a:solidFill>
@@ -3964,7 +4194,7 @@
             <a:p>
               <a:pPr algn="ctr"/>
               <a:r>
-                <a:rPr lang="en-US" altLang="ko-KR" smtClean="0">
+                <a:rPr lang="en-US" altLang="ko-KR">
                   <a:solidFill>
                     <a:schemeClr val="tx1"/>
                   </a:solidFill>
@@ -4026,26 +4256,16 @@
             <a:p>
               <a:pPr algn="ctr"/>
               <a:r>
-                <a:rPr lang="en-US" altLang="ko-KR" smtClean="0">
+                <a:rPr lang="en-US" altLang="ko-KR">
                   <a:solidFill>
                     <a:schemeClr val="tx1"/>
                   </a:solidFill>
                   <a:latin typeface="Arial" pitchFamily="34" charset="0"/>
                   <a:cs typeface="Arial" pitchFamily="34" charset="0"/>
                 </a:rPr>
-                <a:t>BE test </a:t>
+                <a:t>BE test (Commercial S/W)</a:t>
               </a:r>
-              <a:r>
-                <a:rPr lang="en-US" altLang="ko-KR" smtClean="0">
-                  <a:solidFill>
-                    <a:schemeClr val="tx1"/>
-                  </a:solidFill>
-                  <a:latin typeface="Arial" pitchFamily="34" charset="0"/>
-                  <a:cs typeface="Arial" pitchFamily="34" charset="0"/>
-                </a:rPr>
-                <a:t>(Commercial S/W)</a:t>
-              </a:r>
-              <a:endParaRPr lang="ko-KR" altLang="en-US" b="1" smtClean="0">
+              <a:endParaRPr lang="ko-KR" altLang="en-US" b="1">
                 <a:solidFill>
                   <a:schemeClr val="tx1"/>
                 </a:solidFill>
@@ -4276,265 +4496,6 @@
     <p:extLst>
       <p:ext uri="{BB962C8B-B14F-4D97-AF65-F5344CB8AC3E}">
         <p14:creationId xmlns:p14="http://schemas.microsoft.com/office/powerpoint/2010/main" val="3105413000"/>
-      </p:ext>
-    </p:extLst>
-  </p:cSld>
-  <p:clrMapOvr>
-    <a:masterClrMapping/>
-  </p:clrMapOvr>
-</p:sld>
-</file>
-
-<file path=ppt/slides/slide2.xml><?xml version="1.0" encoding="utf-8"?>
-<p:sld xmlns:a="http://schemas.openxmlformats.org/drawingml/2006/main" xmlns:r="http://schemas.openxmlformats.org/officeDocument/2006/relationships" xmlns:p="http://schemas.openxmlformats.org/presentationml/2006/main">
-  <p:cSld>
-    <p:spTree>
-      <p:nvGrpSpPr>
-        <p:cNvPr id="1" name=""/>
-        <p:cNvGrpSpPr/>
-        <p:nvPr/>
-      </p:nvGrpSpPr>
-      <p:grpSpPr>
-        <a:xfrm>
-          <a:off x="0" y="0"/>
-          <a:ext cx="0" cy="0"/>
-          <a:chOff x="0" y="0"/>
-          <a:chExt cx="0" cy="0"/>
-        </a:xfrm>
-      </p:grpSpPr>
-      <p:pic>
-        <p:nvPicPr>
-          <p:cNvPr id="2" name="Picture 2"/>
-          <p:cNvPicPr>
-            <a:picLocks noChangeAspect="1" noChangeArrowheads="1"/>
-          </p:cNvPicPr>
-          <p:nvPr/>
-        </p:nvPicPr>
-        <p:blipFill>
-          <a:blip r:embed="rId2">
-            <a:extLst>
-              <a:ext uri="{28A0092B-C50C-407E-A947-70E740481C1C}">
-                <a14:useLocalDpi xmlns:a14="http://schemas.microsoft.com/office/drawing/2010/main" val="0"/>
-              </a:ext>
-            </a:extLst>
-          </a:blip>
-          <a:srcRect/>
-          <a:stretch>
-            <a:fillRect/>
-          </a:stretch>
-        </p:blipFill>
-        <p:spPr bwMode="auto">
-          <a:xfrm>
-            <a:off x="2802599" y="404664"/>
-            <a:ext cx="8106724" cy="5976664"/>
-          </a:xfrm>
-          <a:prstGeom prst="rect">
-            <a:avLst/>
-          </a:prstGeom>
-          <a:noFill/>
-          <a:ln>
-            <a:noFill/>
-          </a:ln>
-          <a:effectLst/>
-          <a:extLst>
-            <a:ext uri="{909E8E84-426E-40DD-AFC4-6F175D3DCCD1}">
-              <a14:hiddenFill xmlns:a14="http://schemas.microsoft.com/office/drawing/2010/main">
-                <a:solidFill>
-                  <a:schemeClr val="accent1"/>
-                </a:solidFill>
-              </a14:hiddenFill>
-            </a:ext>
-            <a:ext uri="{91240B29-F687-4F45-9708-019B960494DF}">
-              <a14:hiddenLine xmlns:a14="http://schemas.microsoft.com/office/drawing/2010/main" w="9525">
-                <a:solidFill>
-                  <a:schemeClr val="tx1"/>
-                </a:solidFill>
-                <a:miter lim="800000"/>
-                <a:headEnd/>
-                <a:tailEnd/>
-              </a14:hiddenLine>
-            </a:ext>
-            <a:ext uri="{AF507438-7753-43E0-B8FC-AC1667EBCBE1}">
-              <a14:hiddenEffects xmlns:a14="http://schemas.microsoft.com/office/drawing/2010/main">
-                <a:effectLst>
-                  <a:outerShdw dist="35921" dir="2700000" algn="ctr" rotWithShape="0">
-                    <a:schemeClr val="bg2"/>
-                  </a:outerShdw>
-                </a:effectLst>
-              </a14:hiddenEffects>
-            </a:ext>
-          </a:extLst>
-        </p:spPr>
-      </p:pic>
-      <p:sp>
-        <p:nvSpPr>
-          <p:cNvPr id="8" name="TextBox 7"/>
-          <p:cNvSpPr txBox="1"/>
-          <p:nvPr/>
-        </p:nvSpPr>
-        <p:spPr>
-          <a:xfrm>
-            <a:off x="681626" y="535134"/>
-            <a:ext cx="1890133" cy="369332"/>
-          </a:xfrm>
-          <a:prstGeom prst="rect">
-            <a:avLst/>
-          </a:prstGeom>
-          <a:noFill/>
-        </p:spPr>
-        <p:txBody>
-          <a:bodyPr wrap="none" rtlCol="0">
-            <a:spAutoFit/>
-          </a:bodyPr>
-          <a:lstStyle/>
-          <a:p>
-            <a:pPr algn="r"/>
-            <a:r>
-              <a:rPr lang="en-US" altLang="ko-KR" b="1" smtClean="0">
-                <a:latin typeface="Arial" pitchFamily="34" charset="0"/>
-                <a:cs typeface="Arial" pitchFamily="34" charset="0"/>
-              </a:rPr>
-              <a:t>1. ANOVA Table</a:t>
-            </a:r>
-          </a:p>
-        </p:txBody>
-      </p:sp>
-      <p:sp>
-        <p:nvSpPr>
-          <p:cNvPr id="9" name="TextBox 8"/>
-          <p:cNvSpPr txBox="1"/>
-          <p:nvPr/>
-        </p:nvSpPr>
-        <p:spPr>
-          <a:xfrm>
-            <a:off x="1048820" y="2713339"/>
-            <a:ext cx="1531252" cy="369332"/>
-          </a:xfrm>
-          <a:prstGeom prst="rect">
-            <a:avLst/>
-          </a:prstGeom>
-          <a:noFill/>
-        </p:spPr>
-        <p:txBody>
-          <a:bodyPr wrap="none" rtlCol="0">
-            <a:spAutoFit/>
-          </a:bodyPr>
-          <a:lstStyle/>
-          <a:p>
-            <a:pPr algn="r"/>
-            <a:r>
-              <a:rPr lang="en-US" altLang="ko-KR" b="1" smtClean="0">
-                <a:latin typeface="Arial" pitchFamily="34" charset="0"/>
-                <a:cs typeface="Arial" pitchFamily="34" charset="0"/>
-              </a:rPr>
-              <a:t>2. Variability</a:t>
-            </a:r>
-          </a:p>
-        </p:txBody>
-      </p:sp>
-      <p:sp>
-        <p:nvSpPr>
-          <p:cNvPr id="10" name="TextBox 9"/>
-          <p:cNvSpPr txBox="1"/>
-          <p:nvPr/>
-        </p:nvSpPr>
-        <p:spPr>
-          <a:xfrm>
-            <a:off x="1581018" y="3797063"/>
-            <a:ext cx="928459" cy="369332"/>
-          </a:xfrm>
-          <a:prstGeom prst="rect">
-            <a:avLst/>
-          </a:prstGeom>
-          <a:noFill/>
-        </p:spPr>
-        <p:txBody>
-          <a:bodyPr wrap="none" rtlCol="0">
-            <a:spAutoFit/>
-          </a:bodyPr>
-          <a:lstStyle/>
-          <a:p>
-            <a:pPr algn="r"/>
-            <a:r>
-              <a:rPr lang="en-US" altLang="ko-KR" b="1" smtClean="0">
-                <a:latin typeface="Arial" pitchFamily="34" charset="0"/>
-                <a:cs typeface="Arial" pitchFamily="34" charset="0"/>
-              </a:rPr>
-              <a:t>3. LSM</a:t>
-            </a:r>
-          </a:p>
-        </p:txBody>
-      </p:sp>
-      <p:sp>
-        <p:nvSpPr>
-          <p:cNvPr id="11" name="TextBox 10"/>
-          <p:cNvSpPr txBox="1"/>
-          <p:nvPr/>
-        </p:nvSpPr>
-        <p:spPr>
-          <a:xfrm>
-            <a:off x="488840" y="4647715"/>
-            <a:ext cx="2082621" cy="369332"/>
-          </a:xfrm>
-          <a:prstGeom prst="rect">
-            <a:avLst/>
-          </a:prstGeom>
-          <a:noFill/>
-        </p:spPr>
-        <p:txBody>
-          <a:bodyPr wrap="none" rtlCol="0">
-            <a:spAutoFit/>
-          </a:bodyPr>
-          <a:lstStyle/>
-          <a:p>
-            <a:pPr algn="r"/>
-            <a:r>
-              <a:rPr lang="en-US" altLang="ko-KR" b="1" smtClean="0">
-                <a:latin typeface="Arial" pitchFamily="34" charset="0"/>
-                <a:cs typeface="Arial" pitchFamily="34" charset="0"/>
-              </a:rPr>
-              <a:t>4. 90% CI of GMR</a:t>
-            </a:r>
-          </a:p>
-        </p:txBody>
-      </p:sp>
-      <p:sp>
-        <p:nvSpPr>
-          <p:cNvPr id="12" name="TextBox 11"/>
-          <p:cNvSpPr txBox="1"/>
-          <p:nvPr/>
-        </p:nvSpPr>
-        <p:spPr>
-          <a:xfrm>
-            <a:off x="790140" y="5536937"/>
-            <a:ext cx="1762021" cy="369332"/>
-          </a:xfrm>
-          <a:prstGeom prst="rect">
-            <a:avLst/>
-          </a:prstGeom>
-          <a:noFill/>
-        </p:spPr>
-        <p:txBody>
-          <a:bodyPr wrap="none" rtlCol="0">
-            <a:spAutoFit/>
-          </a:bodyPr>
-          <a:lstStyle/>
-          <a:p>
-            <a:pPr algn="r"/>
-            <a:r>
-              <a:rPr lang="en-US" altLang="ko-KR" b="1" smtClean="0">
-                <a:latin typeface="Arial" pitchFamily="34" charset="0"/>
-                <a:cs typeface="Arial" pitchFamily="34" charset="0"/>
-              </a:rPr>
-              <a:t>5. Sample size</a:t>
-            </a:r>
-          </a:p>
-        </p:txBody>
-      </p:sp>
-    </p:spTree>
-    <p:extLst>
-      <p:ext uri="{BB962C8B-B14F-4D97-AF65-F5344CB8AC3E}">
-        <p14:creationId xmlns:p14="http://schemas.microsoft.com/office/powerpoint/2010/main" val="25059198"/>
       </p:ext>
     </p:extLst>
   </p:cSld>
